--- a/pwp/Lezione_4.pptx
+++ b/pwp/Lezione_4.pptx
@@ -9197,22 +9197,29 @@
           <a:lstStyle/>
           <a:p>
             <a:r>
+              <a:rPr lang="it-IT" dirty="0">
+                <a:hlinkClick r:id="rId2"/>
+              </a:rPr>
+              <a:t>https://www.onlinegdb.com/online_python_compiler</a:t>
+            </a:r>
+            <a:endParaRPr lang="it-IT" dirty="0"/>
+          </a:p>
+          <a:p>
+            <a:endParaRPr lang="it-IT" dirty="0"/>
+          </a:p>
+          <a:p>
+            <a:r>
               <a:rPr lang="it-IT" dirty="0"/>
               <a:t>https://</a:t>
             </a:r>
             <a:r>
               <a:rPr lang="it-IT" dirty="0" err="1"/>
-              <a:t>www.onlinegdb.com</a:t>
+              <a:t>replit.com</a:t>
             </a:r>
             <a:r>
               <a:rPr lang="it-IT" dirty="0"/>
               <a:t>/</a:t>
             </a:r>
-            <a:r>
-              <a:rPr lang="it-IT" dirty="0" err="1"/>
-              <a:t>online_python_compiler</a:t>
-            </a:r>
-            <a:endParaRPr dirty="0"/>
           </a:p>
         </p:txBody>
       </p:sp>

--- a/pwp/Lezione_4.pptx
+++ b/pwp/Lezione_4.pptx
@@ -14624,6 +14624,7 @@
           <a:lstStyle/>
           <a:p>
             <a:r>
+              <a:rPr dirty="0"/>
               <a:t>Ciao mondo!</a:t>
             </a:r>
           </a:p>
@@ -14697,7 +14698,7 @@
             </a:r>
             <a:r>
               <a:rPr lang="it-IT" sz="13800" dirty="0"/>
-              <a:t>);</a:t>
+              <a:t>)</a:t>
             </a:r>
           </a:p>
         </p:txBody>
